--- a/Low Energy consumption Regression Model.pptx
+++ b/Low Energy consumption Regression Model.pptx
@@ -116,7 +116,16 @@
       </a:defRPr>
     </a:lvl9pPr>
   </p:defaultTextStyle>
+  <p:extLst>
+    <p:ext uri="{EFAFB233-063F-42B5-8137-9DF3F51BA10A}">
+      <p15:sldGuideLst xmlns:p15="http://schemas.microsoft.com/office/powerpoint/2012/main"/>
+    </p:ext>
+  </p:extLst>
 </p:presentation>
+</file>
+
+<file path=ppt/revisionInfo.xml><?xml version="1.0" encoding="utf-8"?>
+<p1510:revInfo xmlns:a="http://schemas.openxmlformats.org/drawingml/2006/main" xmlns:r="http://schemas.openxmlformats.org/officeDocument/2006/relationships" xmlns:p1510="http://schemas.microsoft.com/office/powerpoint/2015/10/main"/>
 </file>
 
 <file path=ppt/slideLayouts/slideLayout1.xml><?xml version="1.0" encoding="utf-8"?>
@@ -289,7 +298,7 @@
             <a:fld id="{87DE6118-2437-4B30-8E3C-4D2BE6020583}" type="datetimeFigureOut">
               <a:rPr lang="en-US" dirty="0"/>
               <a:pPr/>
-              <a:t>11/14/2017</a:t>
+              <a:t>12/1/2017</a:t>
             </a:fld>
             <a:endParaRPr lang="en-US" dirty="0"/>
           </a:p>
@@ -615,7 +624,7 @@
           <a:p>
             <a:fld id="{87DE6118-2437-4B30-8E3C-4D2BE6020583}" type="datetimeFigureOut">
               <a:rPr lang="en-US" dirty="0"/>
-              <a:t>11/14/2017</a:t>
+              <a:t>12/1/2017</a:t>
             </a:fld>
             <a:endParaRPr lang="en-US" dirty="0"/>
           </a:p>
@@ -790,7 +799,7 @@
           <a:p>
             <a:fld id="{87DE6118-2437-4B30-8E3C-4D2BE6020583}" type="datetimeFigureOut">
               <a:rPr lang="en-US" dirty="0"/>
-              <a:t>11/14/2017</a:t>
+              <a:t>12/1/2017</a:t>
             </a:fld>
             <a:endParaRPr lang="en-US" dirty="0"/>
           </a:p>
@@ -955,7 +964,7 @@
           <a:p>
             <a:fld id="{87DE6118-2437-4B30-8E3C-4D2BE6020583}" type="datetimeFigureOut">
               <a:rPr lang="en-US" dirty="0"/>
-              <a:t>11/14/2017</a:t>
+              <a:t>12/1/2017</a:t>
             </a:fld>
             <a:endParaRPr lang="en-US" dirty="0"/>
           </a:p>
@@ -1228,7 +1237,7 @@
             <a:fld id="{87DE6118-2437-4B30-8E3C-4D2BE6020583}" type="datetimeFigureOut">
               <a:rPr lang="en-US" dirty="0"/>
               <a:pPr/>
-              <a:t>11/14/2017</a:t>
+              <a:t>12/1/2017</a:t>
             </a:fld>
             <a:endParaRPr lang="en-US" dirty="0"/>
           </a:p>
@@ -1618,7 +1627,7 @@
           <a:p>
             <a:fld id="{87DE6118-2437-4B30-8E3C-4D2BE6020583}" type="datetimeFigureOut">
               <a:rPr lang="en-US" dirty="0"/>
-              <a:t>11/14/2017</a:t>
+              <a:t>12/1/2017</a:t>
             </a:fld>
             <a:endParaRPr lang="en-US" dirty="0"/>
           </a:p>
@@ -2090,7 +2099,7 @@
           <a:p>
             <a:fld id="{87DE6118-2437-4B30-8E3C-4D2BE6020583}" type="datetimeFigureOut">
               <a:rPr lang="en-US" dirty="0"/>
-              <a:t>11/14/2017</a:t>
+              <a:t>12/1/2017</a:t>
             </a:fld>
             <a:endParaRPr lang="en-US" dirty="0"/>
           </a:p>
@@ -2203,7 +2212,7 @@
           <a:p>
             <a:fld id="{87DE6118-2437-4B30-8E3C-4D2BE6020583}" type="datetimeFigureOut">
               <a:rPr lang="en-US" dirty="0"/>
-              <a:t>11/14/2017</a:t>
+              <a:t>12/1/2017</a:t>
             </a:fld>
             <a:endParaRPr lang="en-US" dirty="0"/>
           </a:p>
@@ -2293,7 +2302,7 @@
           <a:p>
             <a:fld id="{87DE6118-2437-4B30-8E3C-4D2BE6020583}" type="datetimeFigureOut">
               <a:rPr lang="en-US" dirty="0"/>
-              <a:t>11/14/2017</a:t>
+              <a:t>12/1/2017</a:t>
             </a:fld>
             <a:endParaRPr lang="en-US" dirty="0"/>
           </a:p>
@@ -2635,7 +2644,7 @@
             <a:fld id="{87DE6118-2437-4B30-8E3C-4D2BE6020583}" type="datetimeFigureOut">
               <a:rPr lang="en-US" dirty="0"/>
               <a:pPr/>
-              <a:t>11/14/2017</a:t>
+              <a:t>12/1/2017</a:t>
             </a:fld>
             <a:endParaRPr lang="en-US" dirty="0"/>
           </a:p>
@@ -3020,7 +3029,7 @@
             <a:fld id="{87DE6118-2437-4B30-8E3C-4D2BE6020583}" type="datetimeFigureOut">
               <a:rPr lang="en-US" dirty="0"/>
               <a:pPr/>
-              <a:t>11/14/2017</a:t>
+              <a:t>12/1/2017</a:t>
             </a:fld>
             <a:endParaRPr lang="en-US" dirty="0"/>
           </a:p>
@@ -3295,7 +3304,7 @@
             <a:fld id="{87DE6118-2437-4B30-8E3C-4D2BE6020583}" type="datetimeFigureOut">
               <a:rPr lang="en-US" dirty="0"/>
               <a:pPr/>
-              <a:t>11/14/2017</a:t>
+              <a:t>12/1/2017</a:t>
             </a:fld>
             <a:endParaRPr lang="en-US" dirty="0"/>
           </a:p>
@@ -4689,7 +4698,7 @@
             </a:pPr>
             <a:r>
               <a:rPr lang="en-US" sz="1800" dirty="0"/>
-              <a:t>Based on the performance of all the regression models I found Tuned </a:t>
+              <a:t>	Based on the performance of all the regression models I found Tuned </a:t>
             </a:r>
             <a:r>
               <a:rPr lang="en-US" sz="1800" b="1" dirty="0"/>
@@ -4706,13 +4715,33 @@
             </a:pPr>
             <a:r>
               <a:rPr lang="en-US" sz="1800" dirty="0"/>
-              <a:t>	I will recommend this model to client.</a:t>
+              <a:t>	Dataset we have here is multicollinear. All the predictors are correlated with other predictors. Variance inflation factor is high for all the features. Since multicollinearity doesn't impact much to </a:t>
+            </a:r>
+            <a:r>
+              <a:rPr lang="en-US" sz="1800" dirty="0" err="1"/>
+              <a:t>RandomForestModel</a:t>
+            </a:r>
+            <a:r>
+              <a:rPr lang="en-US" sz="1800" dirty="0"/>
+              <a:t> as Random forests select a subset of variables to grow each tree. I believe this is the reason RandomForestRegressor worked </a:t>
+            </a:r>
+            <a:r>
+              <a:rPr lang="en-US" sz="1800"/>
+              <a:t>here but not </a:t>
+            </a:r>
+            <a:r>
+              <a:rPr lang="en-US" sz="1800" dirty="0"/>
+              <a:t>other models.</a:t>
             </a:r>
           </a:p>
           <a:p>
             <a:pPr marL="0" indent="0">
               <a:buNone/>
             </a:pPr>
+            <a:r>
+              <a:rPr lang="en-US" sz="1800" dirty="0"/>
+              <a:t>	</a:t>
+            </a:r>
             <a:endParaRPr lang="en-US" dirty="0"/>
           </a:p>
           <a:p>

--- a/Low Energy consumption Regression Model.pptx
+++ b/Low Energy consumption Regression Model.pptx
@@ -13,11 +13,12 @@
     <p:sldId id="261" r:id="rId7"/>
     <p:sldId id="264" r:id="rId8"/>
     <p:sldId id="265" r:id="rId9"/>
-    <p:sldId id="266" r:id="rId10"/>
-    <p:sldId id="267" r:id="rId11"/>
-    <p:sldId id="268" r:id="rId12"/>
-    <p:sldId id="269" r:id="rId13"/>
-    <p:sldId id="270" r:id="rId14"/>
+    <p:sldId id="271" r:id="rId10"/>
+    <p:sldId id="266" r:id="rId11"/>
+    <p:sldId id="267" r:id="rId12"/>
+    <p:sldId id="268" r:id="rId13"/>
+    <p:sldId id="269" r:id="rId14"/>
+    <p:sldId id="270" r:id="rId15"/>
   </p:sldIdLst>
   <p:sldSz cx="12192000" cy="6858000"/>
   <p:notesSz cx="6858000" cy="9144000"/>
@@ -298,7 +299,7 @@
             <a:fld id="{87DE6118-2437-4B30-8E3C-4D2BE6020583}" type="datetimeFigureOut">
               <a:rPr lang="en-US" dirty="0"/>
               <a:pPr/>
-              <a:t>12/1/2017</a:t>
+              <a:t>12/5/2017</a:t>
             </a:fld>
             <a:endParaRPr lang="en-US" dirty="0"/>
           </a:p>
@@ -624,7 +625,7 @@
           <a:p>
             <a:fld id="{87DE6118-2437-4B30-8E3C-4D2BE6020583}" type="datetimeFigureOut">
               <a:rPr lang="en-US" dirty="0"/>
-              <a:t>12/1/2017</a:t>
+              <a:t>12/5/2017</a:t>
             </a:fld>
             <a:endParaRPr lang="en-US" dirty="0"/>
           </a:p>
@@ -799,7 +800,7 @@
           <a:p>
             <a:fld id="{87DE6118-2437-4B30-8E3C-4D2BE6020583}" type="datetimeFigureOut">
               <a:rPr lang="en-US" dirty="0"/>
-              <a:t>12/1/2017</a:t>
+              <a:t>12/5/2017</a:t>
             </a:fld>
             <a:endParaRPr lang="en-US" dirty="0"/>
           </a:p>
@@ -964,7 +965,7 @@
           <a:p>
             <a:fld id="{87DE6118-2437-4B30-8E3C-4D2BE6020583}" type="datetimeFigureOut">
               <a:rPr lang="en-US" dirty="0"/>
-              <a:t>12/1/2017</a:t>
+              <a:t>12/5/2017</a:t>
             </a:fld>
             <a:endParaRPr lang="en-US" dirty="0"/>
           </a:p>
@@ -1237,7 +1238,7 @@
             <a:fld id="{87DE6118-2437-4B30-8E3C-4D2BE6020583}" type="datetimeFigureOut">
               <a:rPr lang="en-US" dirty="0"/>
               <a:pPr/>
-              <a:t>12/1/2017</a:t>
+              <a:t>12/5/2017</a:t>
             </a:fld>
             <a:endParaRPr lang="en-US" dirty="0"/>
           </a:p>
@@ -1627,7 +1628,7 @@
           <a:p>
             <a:fld id="{87DE6118-2437-4B30-8E3C-4D2BE6020583}" type="datetimeFigureOut">
               <a:rPr lang="en-US" dirty="0"/>
-              <a:t>12/1/2017</a:t>
+              <a:t>12/5/2017</a:t>
             </a:fld>
             <a:endParaRPr lang="en-US" dirty="0"/>
           </a:p>
@@ -2099,7 +2100,7 @@
           <a:p>
             <a:fld id="{87DE6118-2437-4B30-8E3C-4D2BE6020583}" type="datetimeFigureOut">
               <a:rPr lang="en-US" dirty="0"/>
-              <a:t>12/1/2017</a:t>
+              <a:t>12/5/2017</a:t>
             </a:fld>
             <a:endParaRPr lang="en-US" dirty="0"/>
           </a:p>
@@ -2212,7 +2213,7 @@
           <a:p>
             <a:fld id="{87DE6118-2437-4B30-8E3C-4D2BE6020583}" type="datetimeFigureOut">
               <a:rPr lang="en-US" dirty="0"/>
-              <a:t>12/1/2017</a:t>
+              <a:t>12/5/2017</a:t>
             </a:fld>
             <a:endParaRPr lang="en-US" dirty="0"/>
           </a:p>
@@ -2302,7 +2303,7 @@
           <a:p>
             <a:fld id="{87DE6118-2437-4B30-8E3C-4D2BE6020583}" type="datetimeFigureOut">
               <a:rPr lang="en-US" dirty="0"/>
-              <a:t>12/1/2017</a:t>
+              <a:t>12/5/2017</a:t>
             </a:fld>
             <a:endParaRPr lang="en-US" dirty="0"/>
           </a:p>
@@ -2644,7 +2645,7 @@
             <a:fld id="{87DE6118-2437-4B30-8E3C-4D2BE6020583}" type="datetimeFigureOut">
               <a:rPr lang="en-US" dirty="0"/>
               <a:pPr/>
-              <a:t>12/1/2017</a:t>
+              <a:t>12/5/2017</a:t>
             </a:fld>
             <a:endParaRPr lang="en-US" dirty="0"/>
           </a:p>
@@ -3029,7 +3030,7 @@
             <a:fld id="{87DE6118-2437-4B30-8E3C-4D2BE6020583}" type="datetimeFigureOut">
               <a:rPr lang="en-US" dirty="0"/>
               <a:pPr/>
-              <a:t>12/1/2017</a:t>
+              <a:t>12/5/2017</a:t>
             </a:fld>
             <a:endParaRPr lang="en-US" dirty="0"/>
           </a:p>
@@ -3304,7 +3305,7 @@
             <a:fld id="{87DE6118-2437-4B30-8E3C-4D2BE6020583}" type="datetimeFigureOut">
               <a:rPr lang="en-US" dirty="0"/>
               <a:pPr/>
-              <a:t>12/1/2017</a:t>
+              <a:t>12/5/2017</a:t>
             </a:fld>
             <a:endParaRPr lang="en-US" dirty="0"/>
           </a:p>
@@ -3900,6 +3901,40 @@
       </p:grpSpPr>
       <p:sp>
         <p:nvSpPr>
+          <p:cNvPr id="2" name="Title 1">
+            <a:extLst>
+              <a:ext uri="{FF2B5EF4-FFF2-40B4-BE49-F238E27FC236}">
+                <a16:creationId xmlns:a16="http://schemas.microsoft.com/office/drawing/2014/main" id="{EB690A44-E5BE-495B-970F-BA5ECD86FF6A}"/>
+              </a:ext>
+            </a:extLst>
+          </p:cNvPr>
+          <p:cNvSpPr>
+            <a:spLocks noGrp="1"/>
+          </p:cNvSpPr>
+          <p:nvPr>
+            <p:ph type="title"/>
+          </p:nvPr>
+        </p:nvSpPr>
+        <p:spPr>
+          <a:xfrm>
+            <a:off x="1371600" y="685800"/>
+            <a:ext cx="9601200" cy="692239"/>
+          </a:xfrm>
+        </p:spPr>
+        <p:txBody>
+          <a:bodyPr/>
+          <a:lstStyle/>
+          <a:p>
+            <a:r>
+              <a:rPr lang="en-US" altLang="en-US" u="sng" dirty="0"/>
+              <a:t>Modeling</a:t>
+            </a:r>
+            <a:endParaRPr lang="en-US" u="sng" dirty="0"/>
+          </a:p>
+        </p:txBody>
+      </p:sp>
+      <p:sp>
+        <p:nvSpPr>
           <p:cNvPr id="3" name="Content Placeholder 2">
             <a:extLst>
               <a:ext uri="{FF2B5EF4-FFF2-40B4-BE49-F238E27FC236}">
@@ -3916,8 +3951,8 @@
         </p:nvSpPr>
         <p:spPr>
           <a:xfrm>
-            <a:off x="1371600" y="592428"/>
-            <a:ext cx="10348175" cy="5679583"/>
+            <a:off x="1371600" y="1468192"/>
+            <a:ext cx="10348175" cy="4803819"/>
           </a:xfrm>
         </p:spPr>
         <p:txBody>
@@ -3929,7 +3964,31 @@
             </a:pPr>
             <a:r>
               <a:rPr lang="en-US" sz="1800" dirty="0"/>
-              <a:t>Another approach to predict multicollinearity by directly looking at the eigen vector of a correlation matrix. If at least one of the eigen values of the correlation matrix is close to zero then we can say that multicollinearity exists in the dataset.</a:t>
+              <a:t>As we saw during the EDA, there are many features which has multicollinear. These features can impact the regression model. My first approach to handle the multicollinearity was </a:t>
+            </a:r>
+            <a:r>
+              <a:rPr lang="en-US" sz="1800" b="1" dirty="0"/>
+              <a:t>variance inflation factor</a:t>
+            </a:r>
+            <a:r>
+              <a:rPr lang="en-US" sz="1800" dirty="0"/>
+              <a:t>. Features </a:t>
+            </a:r>
+            <a:r>
+              <a:rPr lang="en-US" sz="1800" b="1" dirty="0"/>
+              <a:t>having </a:t>
+            </a:r>
+            <a:r>
+              <a:rPr lang="en-US" sz="1800" b="1" dirty="0" err="1"/>
+              <a:t>VIF</a:t>
+            </a:r>
+            <a:r>
+              <a:rPr lang="en-US" sz="1800" b="1" dirty="0"/>
+              <a:t> &gt;5</a:t>
+            </a:r>
+            <a:r>
+              <a:rPr lang="en-US" sz="1800" dirty="0"/>
+              <a:t> can be considered as multicollinear.</a:t>
             </a:r>
           </a:p>
           <a:p>
@@ -3978,31 +4037,27 @@
             <a:pPr marL="0" indent="0">
               <a:buNone/>
             </a:pPr>
-            <a:endParaRPr lang="en-US" sz="1800" dirty="0"/>
-          </a:p>
-          <a:p>
-            <a:pPr marL="0" indent="0">
-              <a:buNone/>
-            </a:pPr>
-            <a:endParaRPr lang="en-US" sz="1800" dirty="0"/>
-          </a:p>
-          <a:p>
-            <a:pPr marL="0" indent="0">
-              <a:buNone/>
-            </a:pPr>
             <a:r>
               <a:rPr lang="en-US" sz="1800" dirty="0"/>
-              <a:t>Other than 4 features rest all are eigen values of the correlation matrix is close to 0. So, we can not decide the multicollinearity based on the eigen values.</a:t>
+              <a:t>Variance inflation factor is high for all the features. So, I cannot choose </a:t>
+            </a:r>
+            <a:r>
+              <a:rPr lang="en-US" sz="1800" dirty="0" err="1"/>
+              <a:t>VIF</a:t>
+            </a:r>
+            <a:r>
+              <a:rPr lang="en-US" sz="1800" dirty="0"/>
+              <a:t> for multicollinearity detection criteria.</a:t>
             </a:r>
           </a:p>
         </p:txBody>
       </p:sp>
       <p:pic>
         <p:nvPicPr>
-          <p:cNvPr id="8" name="Picture 7">
+          <p:cNvPr id="4" name="Picture 3">
             <a:extLst>
               <a:ext uri="{FF2B5EF4-FFF2-40B4-BE49-F238E27FC236}">
-                <a16:creationId xmlns:a16="http://schemas.microsoft.com/office/drawing/2014/main" id="{1086F408-D041-4F3E-B04D-50F5C83E369B}"/>
+                <a16:creationId xmlns:a16="http://schemas.microsoft.com/office/drawing/2014/main" id="{81F6FCF0-5760-4B17-A763-0E6761113408}"/>
               </a:ext>
             </a:extLst>
           </p:cNvPr>
@@ -4019,8 +4074,8 @@
         </p:blipFill>
         <p:spPr>
           <a:xfrm>
-            <a:off x="2184914" y="1705981"/>
-            <a:ext cx="2609850" cy="3123596"/>
+            <a:off x="2342446" y="2555651"/>
+            <a:ext cx="2447925" cy="2628900"/>
           </a:xfrm>
           <a:prstGeom prst="rect">
             <a:avLst/>
@@ -4029,10 +4084,10 @@
       </p:pic>
       <p:pic>
         <p:nvPicPr>
-          <p:cNvPr id="9" name="Picture 8">
+          <p:cNvPr id="5" name="Picture 4">
             <a:extLst>
               <a:ext uri="{FF2B5EF4-FFF2-40B4-BE49-F238E27FC236}">
-                <a16:creationId xmlns:a16="http://schemas.microsoft.com/office/drawing/2014/main" id="{7DBAF569-34DC-4368-9443-BA34E208FCAA}"/>
+                <a16:creationId xmlns:a16="http://schemas.microsoft.com/office/drawing/2014/main" id="{64DF4B86-9D6C-4C34-9C27-27C84E42ED8F}"/>
               </a:ext>
             </a:extLst>
           </p:cNvPr>
@@ -4049,8 +4104,8 @@
         </p:blipFill>
         <p:spPr>
           <a:xfrm>
-            <a:off x="5608078" y="1577494"/>
-            <a:ext cx="2495550" cy="3261507"/>
+            <a:off x="5764436" y="2555651"/>
+            <a:ext cx="2524125" cy="2628900"/>
           </a:xfrm>
           <a:prstGeom prst="rect">
             <a:avLst/>
@@ -4060,7 +4115,7 @@
     </p:spTree>
     <p:extLst>
       <p:ext uri="{BB962C8B-B14F-4D97-AF65-F5344CB8AC3E}">
-        <p14:creationId xmlns:p14="http://schemas.microsoft.com/office/powerpoint/2010/main" val="1515601727"/>
+        <p14:creationId xmlns:p14="http://schemas.microsoft.com/office/powerpoint/2010/main" val="3629465164"/>
       </p:ext>
     </p:extLst>
   </p:cSld>
@@ -4114,124 +4169,24 @@
           <a:lstStyle/>
           <a:p>
             <a:pPr marL="0" indent="0">
-              <a:lnSpc>
-                <a:spcPct val="89000"/>
-              </a:lnSpc>
-              <a:spcBef>
-                <a:spcPct val="0"/>
-              </a:spcBef>
               <a:buNone/>
             </a:pPr>
             <a:r>
-              <a:rPr lang="en-US" sz="3200" u="sng" dirty="0" err="1">
-                <a:latin typeface="+mj-lt"/>
-                <a:ea typeface="+mj-ea"/>
-                <a:cs typeface="+mj-cs"/>
-              </a:rPr>
-              <a:t>L1,L2</a:t>
-            </a:r>
-            <a:r>
-              <a:rPr lang="en-US" sz="3200" u="sng" dirty="0">
-                <a:latin typeface="+mj-lt"/>
-                <a:ea typeface="+mj-ea"/>
-                <a:cs typeface="+mj-cs"/>
-              </a:rPr>
-              <a:t> Regularization using Lasso and Ridge</a:t>
+              <a:rPr lang="en-US" sz="1800" dirty="0"/>
+              <a:t>Another approach to predict multicollinearity by directly looking at the eigen vector of a correlation matrix. If at least one of the eigen values of the correlation matrix is close to zero then we can say that multicollinearity exists in the dataset.</a:t>
             </a:r>
           </a:p>
           <a:p>
             <a:pPr marL="0" indent="0">
               <a:buNone/>
             </a:pPr>
-            <a:r>
-              <a:rPr lang="en-US" dirty="0"/>
-              <a:t>Lasso uses </a:t>
-            </a:r>
-            <a:r>
-              <a:rPr lang="en-US" dirty="0" err="1"/>
-              <a:t>L1</a:t>
-            </a:r>
-            <a:r>
-              <a:rPr lang="en-US" dirty="0"/>
-              <a:t> </a:t>
-            </a:r>
-            <a:r>
-              <a:rPr lang="en-US" dirty="0" err="1"/>
-              <a:t>regilraization</a:t>
-            </a:r>
-            <a:r>
-              <a:rPr lang="en-US" dirty="0"/>
-              <a:t> and also helps in feature selection. I applied ridge and </a:t>
-            </a:r>
-            <a:r>
-              <a:rPr lang="en-US" dirty="0" err="1"/>
-              <a:t>elasticNet</a:t>
-            </a:r>
-            <a:r>
-              <a:rPr lang="en-US" dirty="0"/>
-              <a:t> </a:t>
-            </a:r>
-            <a:r>
-              <a:rPr lang="en-US" dirty="0" err="1"/>
-              <a:t>techniqiues</a:t>
-            </a:r>
-            <a:r>
-              <a:rPr lang="en-US" dirty="0"/>
-              <a:t> . </a:t>
-            </a:r>
-            <a:r>
-              <a:rPr lang="en-US" b="1" dirty="0" err="1"/>
-              <a:t>R2</a:t>
-            </a:r>
-            <a:r>
-              <a:rPr lang="en-US" b="1" dirty="0"/>
-              <a:t> score</a:t>
-            </a:r>
-            <a:r>
-              <a:rPr lang="en-US" dirty="0"/>
-              <a:t> for the </a:t>
-            </a:r>
-            <a:r>
-              <a:rPr lang="en-US" b="1" dirty="0"/>
-              <a:t>Lasso, Ridge and </a:t>
-            </a:r>
-            <a:r>
-              <a:rPr lang="en-US" b="1" dirty="0" err="1"/>
-              <a:t>ElasticNe</a:t>
-            </a:r>
-            <a:r>
-              <a:rPr lang="en-US" dirty="0" err="1"/>
-              <a:t>t</a:t>
-            </a:r>
-            <a:r>
-              <a:rPr lang="en-US" dirty="0"/>
-              <a:t> models are </a:t>
-            </a:r>
-            <a:r>
-              <a:rPr lang="en-US" b="1" dirty="0"/>
-              <a:t>very low</a:t>
-            </a:r>
-            <a:r>
-              <a:rPr lang="en-US" dirty="0"/>
-              <a:t> and also, they have </a:t>
-            </a:r>
-            <a:r>
-              <a:rPr lang="en-US" b="1" dirty="0"/>
-              <a:t>very high mean squared error value.</a:t>
-            </a:r>
-            <a:r>
-              <a:rPr lang="en-US" dirty="0"/>
-              <a:t> </a:t>
-            </a:r>
+            <a:endParaRPr lang="en-US" dirty="0"/>
           </a:p>
           <a:p>
             <a:pPr marL="0" indent="0">
               <a:buNone/>
             </a:pPr>
-            <a:r>
-              <a:rPr lang="en-US" dirty="0"/>
-              <a:t>Lasso:</a:t>
-            </a:r>
+            <a:endParaRPr lang="en-US" dirty="0"/>
           </a:p>
           <a:p>
             <a:pPr marL="0" indent="0">
@@ -4243,10 +4198,7 @@
             <a:pPr marL="0" indent="0">
               <a:buNone/>
             </a:pPr>
-            <a:r>
-              <a:rPr lang="en-US" dirty="0"/>
-              <a:t>Ridge:</a:t>
-            </a:r>
+            <a:endParaRPr lang="en-US" dirty="0"/>
           </a:p>
           <a:p>
             <a:pPr marL="0" indent="0">
@@ -4264,13 +4216,27 @@
             <a:pPr marL="0" indent="0">
               <a:buNone/>
             </a:pPr>
-            <a:r>
-              <a:rPr lang="en-US" dirty="0" err="1"/>
-              <a:t>ElasticNet</a:t>
-            </a:r>
-            <a:r>
-              <a:rPr lang="en-US" dirty="0"/>
-              <a:t>:</a:t>
+            <a:endParaRPr lang="en-US" dirty="0"/>
+          </a:p>
+          <a:p>
+            <a:pPr marL="0" indent="0">
+              <a:buNone/>
+            </a:pPr>
+            <a:endParaRPr lang="en-US" sz="1800" dirty="0"/>
+          </a:p>
+          <a:p>
+            <a:pPr marL="0" indent="0">
+              <a:buNone/>
+            </a:pPr>
+            <a:endParaRPr lang="en-US" sz="1800" dirty="0"/>
+          </a:p>
+          <a:p>
+            <a:pPr marL="0" indent="0">
+              <a:buNone/>
+            </a:pPr>
+            <a:r>
+              <a:rPr lang="en-US" sz="1800" dirty="0"/>
+              <a:t>Other than 4 features rest all are eigen values of the correlation matrix is close to 0. So, we can not decide the multicollinearity based on the eigen values.</a:t>
             </a:r>
           </a:p>
         </p:txBody>
@@ -4280,7 +4246,7 @@
           <p:cNvPr id="8" name="Picture 7">
             <a:extLst>
               <a:ext uri="{FF2B5EF4-FFF2-40B4-BE49-F238E27FC236}">
-                <a16:creationId xmlns:a16="http://schemas.microsoft.com/office/drawing/2014/main" id="{A7214F2A-9B16-463A-9B47-57EBE0F0BF6E}"/>
+                <a16:creationId xmlns:a16="http://schemas.microsoft.com/office/drawing/2014/main" id="{1086F408-D041-4F3E-B04D-50F5C83E369B}"/>
               </a:ext>
             </a:extLst>
           </p:cNvPr>
@@ -4297,8 +4263,8 @@
         </p:blipFill>
         <p:spPr>
           <a:xfrm>
-            <a:off x="1781006" y="3556781"/>
-            <a:ext cx="5938704" cy="603095"/>
+            <a:off x="2184914" y="1705981"/>
+            <a:ext cx="2609850" cy="3123596"/>
           </a:xfrm>
           <a:prstGeom prst="rect">
             <a:avLst/>
@@ -4310,7 +4276,7 @@
           <p:cNvPr id="9" name="Picture 8">
             <a:extLst>
               <a:ext uri="{FF2B5EF4-FFF2-40B4-BE49-F238E27FC236}">
-                <a16:creationId xmlns:a16="http://schemas.microsoft.com/office/drawing/2014/main" id="{F0AC8070-212B-417F-8733-DE1833A8131B}"/>
+                <a16:creationId xmlns:a16="http://schemas.microsoft.com/office/drawing/2014/main" id="{7DBAF569-34DC-4368-9443-BA34E208FCAA}"/>
               </a:ext>
             </a:extLst>
           </p:cNvPr>
@@ -4327,38 +4293,8 @@
         </p:blipFill>
         <p:spPr>
           <a:xfrm>
-            <a:off x="1621194" y="4971846"/>
-            <a:ext cx="6098515" cy="428625"/>
-          </a:xfrm>
-          <a:prstGeom prst="rect">
-            <a:avLst/>
-          </a:prstGeom>
-        </p:spPr>
-      </p:pic>
-      <p:pic>
-        <p:nvPicPr>
-          <p:cNvPr id="10" name="Picture 9">
-            <a:extLst>
-              <a:ext uri="{FF2B5EF4-FFF2-40B4-BE49-F238E27FC236}">
-                <a16:creationId xmlns:a16="http://schemas.microsoft.com/office/drawing/2014/main" id="{C95F4BD7-4243-46E7-A417-E1104451E68E}"/>
-              </a:ext>
-            </a:extLst>
-          </p:cNvPr>
-          <p:cNvPicPr>
-            <a:picLocks noChangeAspect="1"/>
-          </p:cNvPicPr>
-          <p:nvPr/>
-        </p:nvPicPr>
-        <p:blipFill>
-          <a:blip r:embed="rId4"/>
-          <a:stretch>
-            <a:fillRect/>
-          </a:stretch>
-        </p:blipFill>
-        <p:spPr>
-          <a:xfrm>
-            <a:off x="1781006" y="2530498"/>
-            <a:ext cx="5938704" cy="428625"/>
+            <a:off x="5608078" y="1577494"/>
+            <a:ext cx="2495550" cy="3261507"/>
           </a:xfrm>
           <a:prstGeom prst="rect">
             <a:avLst/>
@@ -4368,7 +4304,7 @@
     </p:spTree>
     <p:extLst>
       <p:ext uri="{BB962C8B-B14F-4D97-AF65-F5344CB8AC3E}">
-        <p14:creationId xmlns:p14="http://schemas.microsoft.com/office/powerpoint/2010/main" val="2339932586"/>
+        <p14:creationId xmlns:p14="http://schemas.microsoft.com/office/powerpoint/2010/main" val="1515601727"/>
       </p:ext>
     </p:extLst>
   </p:cSld>
@@ -4400,6 +4336,314 @@
           <p:cNvPr id="3" name="Content Placeholder 2">
             <a:extLst>
               <a:ext uri="{FF2B5EF4-FFF2-40B4-BE49-F238E27FC236}">
+                <a16:creationId xmlns:a16="http://schemas.microsoft.com/office/drawing/2014/main" id="{18DE9993-E3DD-4FF2-AD6D-475B6D2793FA}"/>
+              </a:ext>
+            </a:extLst>
+          </p:cNvPr>
+          <p:cNvSpPr>
+            <a:spLocks noGrp="1"/>
+          </p:cNvSpPr>
+          <p:nvPr>
+            <p:ph idx="1"/>
+          </p:nvPr>
+        </p:nvSpPr>
+        <p:spPr>
+          <a:xfrm>
+            <a:off x="1371600" y="592428"/>
+            <a:ext cx="10348175" cy="5679583"/>
+          </a:xfrm>
+        </p:spPr>
+        <p:txBody>
+          <a:bodyPr/>
+          <a:lstStyle/>
+          <a:p>
+            <a:pPr marL="0" indent="0">
+              <a:lnSpc>
+                <a:spcPct val="89000"/>
+              </a:lnSpc>
+              <a:spcBef>
+                <a:spcPct val="0"/>
+              </a:spcBef>
+              <a:buNone/>
+            </a:pPr>
+            <a:r>
+              <a:rPr lang="en-US" sz="3200" u="sng" dirty="0" err="1">
+                <a:latin typeface="+mj-lt"/>
+                <a:ea typeface="+mj-ea"/>
+                <a:cs typeface="+mj-cs"/>
+              </a:rPr>
+              <a:t>L1,L2</a:t>
+            </a:r>
+            <a:r>
+              <a:rPr lang="en-US" sz="3200" u="sng" dirty="0">
+                <a:latin typeface="+mj-lt"/>
+                <a:ea typeface="+mj-ea"/>
+                <a:cs typeface="+mj-cs"/>
+              </a:rPr>
+              <a:t> Regularization using Lasso and Ridge</a:t>
+            </a:r>
+          </a:p>
+          <a:p>
+            <a:pPr marL="0" indent="0">
+              <a:buNone/>
+            </a:pPr>
+            <a:r>
+              <a:rPr lang="en-US" dirty="0"/>
+              <a:t>Lasso uses </a:t>
+            </a:r>
+            <a:r>
+              <a:rPr lang="en-US" dirty="0" err="1"/>
+              <a:t>L1</a:t>
+            </a:r>
+            <a:r>
+              <a:rPr lang="en-US" dirty="0"/>
+              <a:t> </a:t>
+            </a:r>
+            <a:r>
+              <a:rPr lang="en-US" dirty="0" err="1"/>
+              <a:t>regilraization</a:t>
+            </a:r>
+            <a:r>
+              <a:rPr lang="en-US" dirty="0"/>
+              <a:t> and also helps in feature selection. I applied ridge and </a:t>
+            </a:r>
+            <a:r>
+              <a:rPr lang="en-US" dirty="0" err="1"/>
+              <a:t>elasticNet</a:t>
+            </a:r>
+            <a:r>
+              <a:rPr lang="en-US" dirty="0"/>
+              <a:t> </a:t>
+            </a:r>
+            <a:r>
+              <a:rPr lang="en-US" dirty="0" err="1"/>
+              <a:t>techniqiues</a:t>
+            </a:r>
+            <a:r>
+              <a:rPr lang="en-US" dirty="0"/>
+              <a:t> . </a:t>
+            </a:r>
+            <a:r>
+              <a:rPr lang="en-US" b="1" dirty="0" err="1"/>
+              <a:t>R2</a:t>
+            </a:r>
+            <a:r>
+              <a:rPr lang="en-US" b="1" dirty="0"/>
+              <a:t> score</a:t>
+            </a:r>
+            <a:r>
+              <a:rPr lang="en-US" dirty="0"/>
+              <a:t> for the </a:t>
+            </a:r>
+            <a:r>
+              <a:rPr lang="en-US" b="1" dirty="0"/>
+              <a:t>Lasso, Ridge and </a:t>
+            </a:r>
+            <a:r>
+              <a:rPr lang="en-US" b="1" dirty="0" err="1"/>
+              <a:t>ElasticNe</a:t>
+            </a:r>
+            <a:r>
+              <a:rPr lang="en-US" dirty="0" err="1"/>
+              <a:t>t</a:t>
+            </a:r>
+            <a:r>
+              <a:rPr lang="en-US" dirty="0"/>
+              <a:t> models are </a:t>
+            </a:r>
+            <a:r>
+              <a:rPr lang="en-US" b="1" dirty="0"/>
+              <a:t>very low</a:t>
+            </a:r>
+            <a:r>
+              <a:rPr lang="en-US" dirty="0"/>
+              <a:t> and also, they have </a:t>
+            </a:r>
+            <a:r>
+              <a:rPr lang="en-US" b="1" dirty="0"/>
+              <a:t>very high mean squared error value.</a:t>
+            </a:r>
+            <a:r>
+              <a:rPr lang="en-US" dirty="0"/>
+              <a:t> </a:t>
+            </a:r>
+          </a:p>
+          <a:p>
+            <a:pPr marL="0" indent="0">
+              <a:buNone/>
+            </a:pPr>
+            <a:r>
+              <a:rPr lang="en-US" dirty="0"/>
+              <a:t>Lasso:</a:t>
+            </a:r>
+          </a:p>
+          <a:p>
+            <a:pPr marL="0" indent="0">
+              <a:buNone/>
+            </a:pPr>
+            <a:endParaRPr lang="en-US" dirty="0"/>
+          </a:p>
+          <a:p>
+            <a:pPr marL="0" indent="0">
+              <a:buNone/>
+            </a:pPr>
+            <a:r>
+              <a:rPr lang="en-US" dirty="0"/>
+              <a:t>Ridge:</a:t>
+            </a:r>
+          </a:p>
+          <a:p>
+            <a:pPr marL="0" indent="0">
+              <a:buNone/>
+            </a:pPr>
+            <a:endParaRPr lang="en-US" dirty="0"/>
+          </a:p>
+          <a:p>
+            <a:pPr marL="0" indent="0">
+              <a:buNone/>
+            </a:pPr>
+            <a:endParaRPr lang="en-US" dirty="0"/>
+          </a:p>
+          <a:p>
+            <a:pPr marL="0" indent="0">
+              <a:buNone/>
+            </a:pPr>
+            <a:r>
+              <a:rPr lang="en-US" dirty="0" err="1"/>
+              <a:t>ElasticNet</a:t>
+            </a:r>
+            <a:r>
+              <a:rPr lang="en-US" dirty="0"/>
+              <a:t>:</a:t>
+            </a:r>
+          </a:p>
+        </p:txBody>
+      </p:sp>
+      <p:pic>
+        <p:nvPicPr>
+          <p:cNvPr id="8" name="Picture 7">
+            <a:extLst>
+              <a:ext uri="{FF2B5EF4-FFF2-40B4-BE49-F238E27FC236}">
+                <a16:creationId xmlns:a16="http://schemas.microsoft.com/office/drawing/2014/main" id="{A7214F2A-9B16-463A-9B47-57EBE0F0BF6E}"/>
+              </a:ext>
+            </a:extLst>
+          </p:cNvPr>
+          <p:cNvPicPr>
+            <a:picLocks noChangeAspect="1"/>
+          </p:cNvPicPr>
+          <p:nvPr/>
+        </p:nvPicPr>
+        <p:blipFill>
+          <a:blip r:embed="rId2"/>
+          <a:stretch>
+            <a:fillRect/>
+          </a:stretch>
+        </p:blipFill>
+        <p:spPr>
+          <a:xfrm>
+            <a:off x="1781006" y="3556781"/>
+            <a:ext cx="5938704" cy="603095"/>
+          </a:xfrm>
+          <a:prstGeom prst="rect">
+            <a:avLst/>
+          </a:prstGeom>
+        </p:spPr>
+      </p:pic>
+      <p:pic>
+        <p:nvPicPr>
+          <p:cNvPr id="9" name="Picture 8">
+            <a:extLst>
+              <a:ext uri="{FF2B5EF4-FFF2-40B4-BE49-F238E27FC236}">
+                <a16:creationId xmlns:a16="http://schemas.microsoft.com/office/drawing/2014/main" id="{F0AC8070-212B-417F-8733-DE1833A8131B}"/>
+              </a:ext>
+            </a:extLst>
+          </p:cNvPr>
+          <p:cNvPicPr>
+            <a:picLocks noChangeAspect="1"/>
+          </p:cNvPicPr>
+          <p:nvPr/>
+        </p:nvPicPr>
+        <p:blipFill>
+          <a:blip r:embed="rId3"/>
+          <a:stretch>
+            <a:fillRect/>
+          </a:stretch>
+        </p:blipFill>
+        <p:spPr>
+          <a:xfrm>
+            <a:off x="1621194" y="4971846"/>
+            <a:ext cx="6098515" cy="428625"/>
+          </a:xfrm>
+          <a:prstGeom prst="rect">
+            <a:avLst/>
+          </a:prstGeom>
+        </p:spPr>
+      </p:pic>
+      <p:pic>
+        <p:nvPicPr>
+          <p:cNvPr id="10" name="Picture 9">
+            <a:extLst>
+              <a:ext uri="{FF2B5EF4-FFF2-40B4-BE49-F238E27FC236}">
+                <a16:creationId xmlns:a16="http://schemas.microsoft.com/office/drawing/2014/main" id="{C95F4BD7-4243-46E7-A417-E1104451E68E}"/>
+              </a:ext>
+            </a:extLst>
+          </p:cNvPr>
+          <p:cNvPicPr>
+            <a:picLocks noChangeAspect="1"/>
+          </p:cNvPicPr>
+          <p:nvPr/>
+        </p:nvPicPr>
+        <p:blipFill>
+          <a:blip r:embed="rId4"/>
+          <a:stretch>
+            <a:fillRect/>
+          </a:stretch>
+        </p:blipFill>
+        <p:spPr>
+          <a:xfrm>
+            <a:off x="1781006" y="2530498"/>
+            <a:ext cx="5938704" cy="428625"/>
+          </a:xfrm>
+          <a:prstGeom prst="rect">
+            <a:avLst/>
+          </a:prstGeom>
+        </p:spPr>
+      </p:pic>
+    </p:spTree>
+    <p:extLst>
+      <p:ext uri="{BB962C8B-B14F-4D97-AF65-F5344CB8AC3E}">
+        <p14:creationId xmlns:p14="http://schemas.microsoft.com/office/powerpoint/2010/main" val="2339932586"/>
+      </p:ext>
+    </p:extLst>
+  </p:cSld>
+  <p:clrMapOvr>
+    <a:masterClrMapping/>
+  </p:clrMapOvr>
+</p:sld>
+</file>
+
+<file path=ppt/slides/slide13.xml><?xml version="1.0" encoding="utf-8"?>
+<p:sld xmlns:a="http://schemas.openxmlformats.org/drawingml/2006/main" xmlns:r="http://schemas.openxmlformats.org/officeDocument/2006/relationships" xmlns:p="http://schemas.openxmlformats.org/presentationml/2006/main">
+  <p:cSld>
+    <p:spTree>
+      <p:nvGrpSpPr>
+        <p:cNvPr id="1" name=""/>
+        <p:cNvGrpSpPr/>
+        <p:nvPr/>
+      </p:nvGrpSpPr>
+      <p:grpSpPr>
+        <a:xfrm>
+          <a:off x="0" y="0"/>
+          <a:ext cx="0" cy="0"/>
+          <a:chOff x="0" y="0"/>
+          <a:chExt cx="0" cy="0"/>
+        </a:xfrm>
+      </p:grpSpPr>
+      <p:sp>
+        <p:nvSpPr>
+          <p:cNvPr id="3" name="Content Placeholder 2">
+            <a:extLst>
+              <a:ext uri="{FF2B5EF4-FFF2-40B4-BE49-F238E27FC236}">
                 <a16:creationId xmlns:a16="http://schemas.microsoft.com/office/drawing/2014/main" id="{DD0DA0C6-3014-420F-87BA-9A5DF8C7FA2C}"/>
               </a:ext>
             </a:extLst>
@@ -4614,7 +4858,7 @@
 </p:sld>
 </file>
 
-<file path=ppt/slides/slide13.xml><?xml version="1.0" encoding="utf-8"?>
+<file path=ppt/slides/slide14.xml><?xml version="1.0" encoding="utf-8"?>
 <p:sld xmlns:a="http://schemas.openxmlformats.org/drawingml/2006/main" xmlns:r="http://schemas.openxmlformats.org/officeDocument/2006/relationships" xmlns:p="http://schemas.openxmlformats.org/presentationml/2006/main">
   <p:cSld>
     <p:spTree>
@@ -5701,40 +5945,6 @@
       </p:grpSpPr>
       <p:sp>
         <p:nvSpPr>
-          <p:cNvPr id="2" name="Title 1">
-            <a:extLst>
-              <a:ext uri="{FF2B5EF4-FFF2-40B4-BE49-F238E27FC236}">
-                <a16:creationId xmlns:a16="http://schemas.microsoft.com/office/drawing/2014/main" id="{EB690A44-E5BE-495B-970F-BA5ECD86FF6A}"/>
-              </a:ext>
-            </a:extLst>
-          </p:cNvPr>
-          <p:cNvSpPr>
-            <a:spLocks noGrp="1"/>
-          </p:cNvSpPr>
-          <p:nvPr>
-            <p:ph type="title"/>
-          </p:nvPr>
-        </p:nvSpPr>
-        <p:spPr>
-          <a:xfrm>
-            <a:off x="1371600" y="685800"/>
-            <a:ext cx="9601200" cy="692239"/>
-          </a:xfrm>
-        </p:spPr>
-        <p:txBody>
-          <a:bodyPr/>
-          <a:lstStyle/>
-          <a:p>
-            <a:r>
-              <a:rPr lang="en-US" altLang="en-US" u="sng" dirty="0"/>
-              <a:t>Modeling</a:t>
-            </a:r>
-            <a:endParaRPr lang="en-US" u="sng" dirty="0"/>
-          </a:p>
-        </p:txBody>
-      </p:sp>
-      <p:sp>
-        <p:nvSpPr>
           <p:cNvPr id="3" name="Content Placeholder 2">
             <a:extLst>
               <a:ext uri="{FF2B5EF4-FFF2-40B4-BE49-F238E27FC236}">
@@ -5751,8 +5961,8 @@
         </p:nvSpPr>
         <p:spPr>
           <a:xfrm>
-            <a:off x="1371600" y="1468192"/>
-            <a:ext cx="10348175" cy="4803819"/>
+            <a:off x="1371600" y="592428"/>
+            <a:ext cx="10348175" cy="5679583"/>
           </a:xfrm>
         </p:spPr>
         <p:txBody>
@@ -5760,104 +5970,159 @@
           <a:lstStyle/>
           <a:p>
             <a:pPr marL="0" indent="0">
+              <a:lnSpc>
+                <a:spcPct val="89000"/>
+              </a:lnSpc>
+              <a:spcBef>
+                <a:spcPct val="0"/>
+              </a:spcBef>
               <a:buNone/>
             </a:pPr>
             <a:r>
-              <a:rPr lang="en-US" sz="1800" dirty="0"/>
-              <a:t>As we saw during the EDA, there are many features which has multicollinear. These features can impact the regression model. My first approach to handle the multicollinearity was </a:t>
-            </a:r>
-            <a:r>
-              <a:rPr lang="en-US" sz="1800" b="1" dirty="0"/>
-              <a:t>variance inflation factor</a:t>
-            </a:r>
-            <a:r>
-              <a:rPr lang="en-US" sz="1800" dirty="0"/>
-              <a:t>. Features </a:t>
-            </a:r>
-            <a:r>
-              <a:rPr lang="en-US" sz="1800" b="1" dirty="0"/>
-              <a:t>having </a:t>
-            </a:r>
-            <a:r>
-              <a:rPr lang="en-US" sz="1800" b="1" dirty="0" err="1"/>
-              <a:t>VIF</a:t>
-            </a:r>
-            <a:r>
-              <a:rPr lang="en-US" sz="1800" b="1" dirty="0"/>
-              <a:t> &gt;5</a:t>
-            </a:r>
-            <a:r>
-              <a:rPr lang="en-US" sz="1800" dirty="0"/>
-              <a:t> can be considered as multicollinear.</a:t>
+              <a:rPr lang="en-US" sz="3200" u="sng" dirty="0">
+                <a:latin typeface="+mj-lt"/>
+                <a:ea typeface="+mj-ea"/>
+                <a:cs typeface="+mj-cs"/>
+              </a:rPr>
+              <a:t>Data preprocessing steps:</a:t>
             </a:r>
           </a:p>
           <a:p>
             <a:pPr marL="0" indent="0">
+              <a:lnSpc>
+                <a:spcPct val="89000"/>
+              </a:lnSpc>
+              <a:spcBef>
+                <a:spcPct val="0"/>
+              </a:spcBef>
               <a:buNone/>
             </a:pPr>
-            <a:endParaRPr lang="en-US" dirty="0"/>
+            <a:endParaRPr lang="en-US" sz="3200" u="sng" dirty="0">
+              <a:latin typeface="+mj-lt"/>
+              <a:ea typeface="+mj-ea"/>
+              <a:cs typeface="+mj-cs"/>
+            </a:endParaRPr>
+          </a:p>
+          <a:p>
+            <a:pPr>
+              <a:lnSpc>
+                <a:spcPct val="89000"/>
+              </a:lnSpc>
+              <a:spcBef>
+                <a:spcPct val="0"/>
+              </a:spcBef>
+            </a:pPr>
+            <a:r>
+              <a:rPr lang="en-US" dirty="0">
+                <a:latin typeface="+mj-lt"/>
+                <a:ea typeface="+mj-ea"/>
+                <a:cs typeface="+mj-cs"/>
+              </a:rPr>
+              <a:t>Normalizing and scaling the data </a:t>
+            </a:r>
+          </a:p>
+          <a:p>
+            <a:pPr>
+              <a:lnSpc>
+                <a:spcPct val="89000"/>
+              </a:lnSpc>
+              <a:spcBef>
+                <a:spcPct val="0"/>
+              </a:spcBef>
+            </a:pPr>
+            <a:r>
+              <a:rPr lang="en-US" dirty="0">
+                <a:latin typeface="+mj-lt"/>
+                <a:ea typeface="+mj-ea"/>
+                <a:cs typeface="+mj-cs"/>
+              </a:rPr>
+              <a:t>Preprocessing of data using log and cube</a:t>
+            </a:r>
+          </a:p>
+          <a:p>
+            <a:pPr>
+              <a:lnSpc>
+                <a:spcPct val="89000"/>
+              </a:lnSpc>
+              <a:spcBef>
+                <a:spcPct val="0"/>
+              </a:spcBef>
+            </a:pPr>
+            <a:r>
+              <a:rPr lang="en-US" dirty="0" err="1">
+                <a:latin typeface="+mj-lt"/>
+                <a:ea typeface="+mj-ea"/>
+                <a:cs typeface="+mj-cs"/>
+              </a:rPr>
+              <a:t>PCA</a:t>
+            </a:r>
+            <a:r>
+              <a:rPr lang="en-US" dirty="0">
+                <a:latin typeface="+mj-lt"/>
+                <a:ea typeface="+mj-ea"/>
+                <a:cs typeface="+mj-cs"/>
+              </a:rPr>
+              <a:t> feature engineering </a:t>
+            </a:r>
+          </a:p>
+          <a:p>
+            <a:pPr>
+              <a:lnSpc>
+                <a:spcPct val="89000"/>
+              </a:lnSpc>
+              <a:spcBef>
+                <a:spcPct val="0"/>
+              </a:spcBef>
+            </a:pPr>
+            <a:endParaRPr lang="en-US" dirty="0">
+              <a:latin typeface="+mj-lt"/>
+              <a:ea typeface="+mj-ea"/>
+              <a:cs typeface="+mj-cs"/>
+            </a:endParaRPr>
           </a:p>
           <a:p>
             <a:pPr marL="0" indent="0">
+              <a:lnSpc>
+                <a:spcPct val="89000"/>
+              </a:lnSpc>
+              <a:spcBef>
+                <a:spcPct val="0"/>
+              </a:spcBef>
               <a:buNone/>
             </a:pPr>
-            <a:endParaRPr lang="en-US" dirty="0"/>
+            <a:r>
+              <a:rPr lang="en-US" dirty="0">
+                <a:latin typeface="+mj-lt"/>
+                <a:ea typeface="+mj-ea"/>
+                <a:cs typeface="+mj-cs"/>
+              </a:rPr>
+              <a:t>After preprocessing and transforming the data didn’t improvise the performance of the model. So decided to go on randomforestCalssifier.</a:t>
+            </a:r>
           </a:p>
           <a:p>
             <a:pPr marL="0" indent="0">
+              <a:lnSpc>
+                <a:spcPct val="89000"/>
+              </a:lnSpc>
+              <a:spcBef>
+                <a:spcPct val="0"/>
+              </a:spcBef>
               <a:buNone/>
             </a:pPr>
-            <a:endParaRPr lang="en-US" dirty="0"/>
-          </a:p>
-          <a:p>
-            <a:pPr marL="0" indent="0">
-              <a:buNone/>
-            </a:pPr>
-            <a:endParaRPr lang="en-US" dirty="0"/>
-          </a:p>
-          <a:p>
-            <a:pPr marL="0" indent="0">
-              <a:buNone/>
-            </a:pPr>
-            <a:endParaRPr lang="en-US" dirty="0"/>
-          </a:p>
-          <a:p>
-            <a:pPr marL="0" indent="0">
-              <a:buNone/>
-            </a:pPr>
-            <a:endParaRPr lang="en-US" dirty="0"/>
-          </a:p>
-          <a:p>
-            <a:pPr marL="0" indent="0">
-              <a:buNone/>
-            </a:pPr>
-            <a:endParaRPr lang="en-US" dirty="0"/>
-          </a:p>
-          <a:p>
-            <a:pPr marL="0" indent="0">
-              <a:buNone/>
-            </a:pPr>
-            <a:r>
-              <a:rPr lang="en-US" sz="1800" dirty="0"/>
-              <a:t>Variance inflation factor is high for all the features. So, I cannot choose </a:t>
-            </a:r>
-            <a:r>
-              <a:rPr lang="en-US" sz="1800" dirty="0" err="1"/>
-              <a:t>VIF</a:t>
-            </a:r>
-            <a:r>
-              <a:rPr lang="en-US" sz="1800" dirty="0"/>
-              <a:t> for multicollinearity detection criteria.</a:t>
-            </a:r>
+            <a:endParaRPr lang="en-US" dirty="0">
+              <a:latin typeface="+mj-lt"/>
+              <a:ea typeface="+mj-ea"/>
+              <a:cs typeface="+mj-cs"/>
+            </a:endParaRPr>
           </a:p>
         </p:txBody>
       </p:sp>
       <p:pic>
         <p:nvPicPr>
-          <p:cNvPr id="4" name="Picture 3">
+          <p:cNvPr id="2" name="Picture 1">
             <a:extLst>
               <a:ext uri="{FF2B5EF4-FFF2-40B4-BE49-F238E27FC236}">
-                <a16:creationId xmlns:a16="http://schemas.microsoft.com/office/drawing/2014/main" id="{81F6FCF0-5760-4B17-A763-0E6761113408}"/>
+                <a16:creationId xmlns:a16="http://schemas.microsoft.com/office/drawing/2014/main" id="{8881C013-8BCE-48A4-8B37-D49B4CBCF133}"/>
               </a:ext>
             </a:extLst>
           </p:cNvPr>
@@ -5874,38 +6139,8 @@
         </p:blipFill>
         <p:spPr>
           <a:xfrm>
-            <a:off x="2342446" y="2555651"/>
-            <a:ext cx="2447925" cy="2628900"/>
-          </a:xfrm>
-          <a:prstGeom prst="rect">
-            <a:avLst/>
-          </a:prstGeom>
-        </p:spPr>
-      </p:pic>
-      <p:pic>
-        <p:nvPicPr>
-          <p:cNvPr id="5" name="Picture 4">
-            <a:extLst>
-              <a:ext uri="{FF2B5EF4-FFF2-40B4-BE49-F238E27FC236}">
-                <a16:creationId xmlns:a16="http://schemas.microsoft.com/office/drawing/2014/main" id="{64DF4B86-9D6C-4C34-9C27-27C84E42ED8F}"/>
-              </a:ext>
-            </a:extLst>
-          </p:cNvPr>
-          <p:cNvPicPr>
-            <a:picLocks noChangeAspect="1"/>
-          </p:cNvPicPr>
-          <p:nvPr/>
-        </p:nvPicPr>
-        <p:blipFill>
-          <a:blip r:embed="rId3"/>
-          <a:stretch>
-            <a:fillRect/>
-          </a:stretch>
-        </p:blipFill>
-        <p:spPr>
-          <a:xfrm>
-            <a:off x="5764436" y="2555651"/>
-            <a:ext cx="2524125" cy="2628900"/>
+            <a:off x="2212081" y="3745471"/>
+            <a:ext cx="5978882" cy="1504950"/>
           </a:xfrm>
           <a:prstGeom prst="rect">
             <a:avLst/>
@@ -5915,7 +6150,7 @@
     </p:spTree>
     <p:extLst>
       <p:ext uri="{BB962C8B-B14F-4D97-AF65-F5344CB8AC3E}">
-        <p14:creationId xmlns:p14="http://schemas.microsoft.com/office/powerpoint/2010/main" val="3629465164"/>
+        <p14:creationId xmlns:p14="http://schemas.microsoft.com/office/powerpoint/2010/main" val="3827958035"/>
       </p:ext>
     </p:extLst>
   </p:cSld>
